--- a/ON THΞ HUNT IN THΞ DΔRK - Introduction to threat intelligence and threat hunting on the Dark Web - Stefano Ratto 202211.pptx
+++ b/ON THΞ HUNT IN THΞ DΔRK - Introduction to threat intelligence and threat hunting on the Dark Web - Stefano Ratto 202211.pptx
@@ -16,30 +16,31 @@
     <p:sldId id="261" r:id="rId10"/>
     <p:sldId id="262" r:id="rId11"/>
     <p:sldId id="263" r:id="rId12"/>
+    <p:sldId id="264" r:id="rId13"/>
   </p:sldIdLst>
   <p:sldSz cy="6858000" cx="12192000"/>
   <p:notesSz cx="6858000" cy="9144000"/>
   <p:embeddedFontLst>
     <p:embeddedFont>
       <p:font typeface="Roboto"/>
-      <p:regular r:id="rId13"/>
-      <p:bold r:id="rId14"/>
-      <p:italic r:id="rId15"/>
-      <p:boldItalic r:id="rId16"/>
+      <p:regular r:id="rId14"/>
+      <p:bold r:id="rId15"/>
+      <p:italic r:id="rId16"/>
+      <p:boldItalic r:id="rId17"/>
     </p:embeddedFont>
     <p:embeddedFont>
       <p:font typeface="Proxima Nova"/>
-      <p:regular r:id="rId17"/>
-      <p:bold r:id="rId18"/>
-      <p:italic r:id="rId19"/>
-      <p:boldItalic r:id="rId20"/>
+      <p:regular r:id="rId18"/>
+      <p:bold r:id="rId19"/>
+      <p:italic r:id="rId20"/>
+      <p:boldItalic r:id="rId21"/>
     </p:embeddedFont>
     <p:embeddedFont>
       <p:font typeface="Quattrocento Sans"/>
-      <p:regular r:id="rId21"/>
-      <p:bold r:id="rId22"/>
-      <p:italic r:id="rId23"/>
-      <p:boldItalic r:id="rId24"/>
+      <p:regular r:id="rId22"/>
+      <p:bold r:id="rId23"/>
+      <p:italic r:id="rId24"/>
+      <p:boldItalic r:id="rId25"/>
     </p:embeddedFont>
   </p:embeddedFontLst>
   <p:defaultTextStyle>
@@ -273,7 +274,7 @@
   </p:defaultTextStyle>
   <p:extLst>
     <p:ext uri="http://customooxmlschemas.google.com/">
-      <go:slidesCustomData xmlns:go="http://customooxmlschemas.google.com/" r:id="rId25" roundtripDataSignature="AMtx7miLYQkx2Pdgb0Nj9UT6bUcRWxHGnw=="/>
+      <go:slidesCustomData xmlns:go="http://customooxmlschemas.google.com/" r:id="rId26" roundtripDataSignature="AMtx7mh3NvdjXh1180j4v6phKEdWyy5lwQ=="/>
     </p:ext>
   </p:extLst>
 </p:presentation>
@@ -2315,7 +2316,7 @@
   <p:cSld>
     <p:spTree>
       <p:nvGrpSpPr>
-        <p:cNvPr id="136" name="Shape 136"/>
+        <p:cNvPr id="137" name="Shape 137"/>
         <p:cNvGrpSpPr/>
         <p:nvPr/>
       </p:nvGrpSpPr>
@@ -2329,7 +2330,7 @@
       </p:grpSpPr>
       <p:sp>
         <p:nvSpPr>
-          <p:cNvPr id="137" name="Google Shape;137;g17af781cee5_1_320:notes"/>
+          <p:cNvPr id="138" name="Google Shape;138;g17d61af18e0_0_0:notes"/>
           <p:cNvSpPr/>
           <p:nvPr>
             <p:ph idx="2" type="sldImg"/>
@@ -2364,7 +2365,7 @@
       </p:sp>
       <p:sp>
         <p:nvSpPr>
-          <p:cNvPr id="138" name="Google Shape;138;g17af781cee5_1_320:notes"/>
+          <p:cNvPr id="139" name="Google Shape;139;g17d61af18e0_0_0:notes"/>
           <p:cNvSpPr txBox="1"/>
           <p:nvPr>
             <p:ph idx="1" type="body"/>
@@ -2602,7 +2603,7 @@
   <p:cSld>
     <p:spTree>
       <p:nvGrpSpPr>
-        <p:cNvPr id="142" name="Shape 142"/>
+        <p:cNvPr id="144" name="Shape 144"/>
         <p:cNvGrpSpPr/>
         <p:nvPr/>
       </p:nvGrpSpPr>
@@ -2616,7 +2617,7 @@
       </p:grpSpPr>
       <p:sp>
         <p:nvSpPr>
-          <p:cNvPr id="143" name="Google Shape;143;g17af781cee5_1_327:notes"/>
+          <p:cNvPr id="145" name="Google Shape;145;g17af781cee5_1_320:notes"/>
           <p:cNvSpPr/>
           <p:nvPr>
             <p:ph idx="2" type="sldImg"/>
@@ -2651,7 +2652,7 @@
       </p:sp>
       <p:sp>
         <p:nvSpPr>
-          <p:cNvPr id="144" name="Google Shape;144;g17af781cee5_1_327:notes"/>
+          <p:cNvPr id="146" name="Google Shape;146;g17af781cee5_1_320:notes"/>
           <p:cNvSpPr txBox="1"/>
           <p:nvPr>
             <p:ph idx="1" type="body"/>
@@ -2889,7 +2890,7 @@
   <p:cSld>
     <p:spTree>
       <p:nvGrpSpPr>
-        <p:cNvPr id="148" name="Shape 148"/>
+        <p:cNvPr id="150" name="Shape 150"/>
         <p:cNvGrpSpPr/>
         <p:nvPr/>
       </p:nvGrpSpPr>
@@ -2903,7 +2904,294 @@
       </p:grpSpPr>
       <p:sp>
         <p:nvSpPr>
-          <p:cNvPr id="149" name="Google Shape;149;ga8ec799708_0_295:notes"/>
+          <p:cNvPr id="151" name="Google Shape;151;g17af781cee5_1_327:notes"/>
+          <p:cNvSpPr/>
+          <p:nvPr>
+            <p:ph idx="2" type="sldImg"/>
+          </p:nvPr>
+        </p:nvSpPr>
+        <p:spPr>
+          <a:xfrm>
+            <a:off x="1143225" y="685800"/>
+            <a:ext cx="4572300" cy="3429000"/>
+          </a:xfrm>
+          <a:custGeom>
+            <a:rect b="b" l="l" r="r" t="t"/>
+            <a:pathLst>
+              <a:path extrusionOk="0" h="120000" w="120000">
+                <a:moveTo>
+                  <a:pt x="0" y="0"/>
+                </a:moveTo>
+                <a:lnTo>
+                  <a:pt x="120000" y="0"/>
+                </a:lnTo>
+                <a:lnTo>
+                  <a:pt x="120000" y="120000"/>
+                </a:lnTo>
+                <a:lnTo>
+                  <a:pt x="0" y="120000"/>
+                </a:lnTo>
+                <a:close/>
+              </a:path>
+            </a:pathLst>
+          </a:custGeom>
+        </p:spPr>
+      </p:sp>
+      <p:sp>
+        <p:nvSpPr>
+          <p:cNvPr id="152" name="Google Shape;152;g17af781cee5_1_327:notes"/>
+          <p:cNvSpPr txBox="1"/>
+          <p:nvPr>
+            <p:ph idx="1" type="body"/>
+          </p:nvPr>
+        </p:nvSpPr>
+        <p:spPr>
+          <a:xfrm>
+            <a:off x="685800" y="4343400"/>
+            <a:ext cx="5486400" cy="4114800"/>
+          </a:xfrm>
+          <a:prstGeom prst="rect">
+            <a:avLst/>
+          </a:prstGeom>
+        </p:spPr>
+        <p:txBody>
+          <a:bodyPr anchorCtr="0" anchor="t" bIns="91425" lIns="91425" spcFirstLastPara="1" rIns="91425" wrap="square" tIns="91425">
+            <a:noAutofit/>
+          </a:bodyPr>
+          <a:lstStyle/>
+          <a:p>
+            <a:pPr indent="0" lvl="0" marL="0" rtl="0" algn="l">
+              <a:spcBef>
+                <a:spcPts val="0"/>
+              </a:spcBef>
+              <a:spcAft>
+                <a:spcPts val="0"/>
+              </a:spcAft>
+              <a:buClr>
+                <a:schemeClr val="dk1"/>
+              </a:buClr>
+              <a:buSzPts val="1100"/>
+              <a:buFont typeface="Arial"/>
+              <a:buNone/>
+            </a:pPr>
+            <a:r>
+              <a:rPr lang="en-US">
+                <a:solidFill>
+                  <a:schemeClr val="dk1"/>
+                </a:solidFill>
+              </a:rPr>
+              <a:t>SLIDES WILL BE SHARED AFTER THIS TALK, INCLUDING </a:t>
+            </a:r>
+            <a:r>
+              <a:rPr b="1" lang="en-US">
+                <a:solidFill>
+                  <a:schemeClr val="dk1"/>
+                </a:solidFill>
+              </a:rPr>
+              <a:t>SPEAKER’S NOTES</a:t>
+            </a:r>
+            <a:r>
+              <a:rPr lang="en-US">
+                <a:solidFill>
+                  <a:schemeClr val="dk1"/>
+                </a:solidFill>
+              </a:rPr>
+              <a:t> (BTW A BIG </a:t>
+            </a:r>
+            <a:r>
+              <a:rPr b="1" lang="en-US">
+                <a:solidFill>
+                  <a:schemeClr val="dk1"/>
+                </a:solidFill>
+              </a:rPr>
+              <a:t>SHOUT OUT TO BLABLA FOR SUPPORTING THE IDEA OF THIS BLABLABLA AND TO BLABLABLABLA </a:t>
+            </a:r>
+            <a:r>
+              <a:rPr lang="en-US">
+                <a:solidFill>
+                  <a:schemeClr val="dk1"/>
+                </a:solidFill>
+              </a:rPr>
+              <a:t>FOR </a:t>
+            </a:r>
+            <a:r>
+              <a:rPr b="1" lang="en-US">
+                <a:solidFill>
+                  <a:schemeClr val="dk1"/>
+                </a:solidFill>
+              </a:rPr>
+              <a:t>HIS/HER</a:t>
+            </a:r>
+            <a:r>
+              <a:rPr lang="en-US">
+                <a:solidFill>
+                  <a:schemeClr val="dk1"/>
+                </a:solidFill>
+              </a:rPr>
+              <a:t> HELP IN SETTING IT UP!)</a:t>
+            </a:r>
+            <a:endParaRPr>
+              <a:solidFill>
+                <a:schemeClr val="dk1"/>
+              </a:solidFill>
+            </a:endParaRPr>
+          </a:p>
+          <a:p>
+            <a:pPr indent="0" lvl="0" marL="0" rtl="0" algn="l">
+              <a:spcBef>
+                <a:spcPts val="0"/>
+              </a:spcBef>
+              <a:spcAft>
+                <a:spcPts val="0"/>
+              </a:spcAft>
+              <a:buClr>
+                <a:schemeClr val="dk1"/>
+              </a:buClr>
+              <a:buSzPts val="1100"/>
+              <a:buFont typeface="Arial"/>
+              <a:buNone/>
+            </a:pPr>
+            <a:r>
+              <a:t/>
+            </a:r>
+            <a:endParaRPr>
+              <a:solidFill>
+                <a:schemeClr val="dk1"/>
+              </a:solidFill>
+            </a:endParaRPr>
+          </a:p>
+          <a:p>
+            <a:pPr indent="0" lvl="0" marL="0" rtl="0" algn="l">
+              <a:spcBef>
+                <a:spcPts val="0"/>
+              </a:spcBef>
+              <a:spcAft>
+                <a:spcPts val="0"/>
+              </a:spcAft>
+              <a:buClr>
+                <a:schemeClr val="dk1"/>
+              </a:buClr>
+              <a:buSzPts val="1100"/>
+              <a:buFont typeface="Arial"/>
+              <a:buNone/>
+            </a:pPr>
+            <a:r>
+              <a:rPr lang="en-US">
+                <a:solidFill>
+                  <a:schemeClr val="dk1"/>
+                </a:solidFill>
+              </a:rPr>
+              <a:t>EARLY WARNING: HOPE YOU ALL HAVE NOTHING AGAINST MEME’S…</a:t>
+            </a:r>
+            <a:endParaRPr>
+              <a:solidFill>
+                <a:schemeClr val="dk1"/>
+              </a:solidFill>
+            </a:endParaRPr>
+          </a:p>
+          <a:p>
+            <a:pPr indent="0" lvl="0" marL="0" rtl="0" algn="l">
+              <a:spcBef>
+                <a:spcPts val="0"/>
+              </a:spcBef>
+              <a:spcAft>
+                <a:spcPts val="0"/>
+              </a:spcAft>
+              <a:buClr>
+                <a:schemeClr val="dk1"/>
+              </a:buClr>
+              <a:buSzPts val="1100"/>
+              <a:buFont typeface="Arial"/>
+              <a:buNone/>
+            </a:pPr>
+            <a:r>
+              <a:t/>
+            </a:r>
+            <a:endParaRPr>
+              <a:solidFill>
+                <a:schemeClr val="dk1"/>
+              </a:solidFill>
+            </a:endParaRPr>
+          </a:p>
+          <a:p>
+            <a:pPr indent="0" lvl="0" marL="0" rtl="0" algn="l">
+              <a:spcBef>
+                <a:spcPts val="0"/>
+              </a:spcBef>
+              <a:spcAft>
+                <a:spcPts val="0"/>
+              </a:spcAft>
+              <a:buClr>
+                <a:schemeClr val="dk1"/>
+              </a:buClr>
+              <a:buSzPts val="1100"/>
+              <a:buFont typeface="Arial"/>
+              <a:buNone/>
+            </a:pPr>
+            <a:r>
+              <a:rPr lang="en-US">
+                <a:solidFill>
+                  <a:schemeClr val="dk1"/>
+                </a:solidFill>
+              </a:rPr>
+              <a:t>LASTLY, LET’S KEEP THIS </a:t>
+            </a:r>
+            <a:r>
+              <a:rPr b="1" lang="en-US">
+                <a:solidFill>
+                  <a:schemeClr val="dk1"/>
+                </a:solidFill>
+              </a:rPr>
+              <a:t>INTERACTIVE</a:t>
+            </a:r>
+            <a:r>
+              <a:rPr lang="en-US">
+                <a:solidFill>
+                  <a:schemeClr val="dk1"/>
+                </a:solidFill>
+              </a:rPr>
+              <a:t>! </a:t>
+            </a:r>
+            <a:r>
+              <a:rPr b="1" lang="en-US">
+                <a:solidFill>
+                  <a:schemeClr val="dk1"/>
+                </a:solidFill>
+              </a:rPr>
+              <a:t>DON’T WAIT FOR THE END TO ASK QUESTIONS</a:t>
+            </a:r>
+            <a:endParaRPr/>
+          </a:p>
+        </p:txBody>
+      </p:sp>
+    </p:spTree>
+  </p:cSld>
+  <p:clrMapOvr>
+    <a:masterClrMapping/>
+  </p:clrMapOvr>
+</p:notes>
+</file>
+
+<file path=ppt/notesSlides/notesSlide9.xml><?xml version="1.0" encoding="utf-8"?>
+<p:notes xmlns:a="http://schemas.openxmlformats.org/drawingml/2006/main" xmlns:r="http://schemas.openxmlformats.org/officeDocument/2006/relationships" xmlns:mc="http://schemas.openxmlformats.org/markup-compatibility/2006" xmlns:mv="urn:schemas-microsoft-com:mac:vml" xmlns:p="http://schemas.openxmlformats.org/presentationml/2006/main" xmlns:c="http://schemas.openxmlformats.org/drawingml/2006/chart" xmlns:dgm="http://schemas.openxmlformats.org/drawingml/2006/diagram" xmlns:o="urn:schemas-microsoft-com:office:office" xmlns:v="urn:schemas-microsoft-com:vml" xmlns:pvml="urn:schemas-microsoft-com:office:powerpoint" xmlns:com="http://schemas.openxmlformats.org/drawingml/2006/compatibility" xmlns:p14="http://schemas.microsoft.com/office/powerpoint/2010/main" xmlns:p15="http://schemas.microsoft.com/office/powerpoint/2012/main" xmlns:ahyp="http://schemas.microsoft.com/office/drawing/2018/hyperlinkcolor" showMasterPhAnim="0" showMasterSp="0">
+  <p:cSld>
+    <p:spTree>
+      <p:nvGrpSpPr>
+        <p:cNvPr id="156" name="Shape 156"/>
+        <p:cNvGrpSpPr/>
+        <p:nvPr/>
+      </p:nvGrpSpPr>
+      <p:grpSpPr>
+        <a:xfrm>
+          <a:off x="0" y="0"/>
+          <a:ext cx="0" cy="0"/>
+          <a:chOff x="0" y="0"/>
+          <a:chExt cx="0" cy="0"/>
+        </a:xfrm>
+      </p:grpSpPr>
+      <p:sp>
+        <p:nvSpPr>
+          <p:cNvPr id="157" name="Google Shape;157;ga8ec799708_0_295:notes"/>
           <p:cNvSpPr/>
           <p:nvPr>
             <p:ph idx="2" type="sldImg"/>
@@ -2948,7 +3236,7 @@
       </p:sp>
       <p:sp>
         <p:nvSpPr>
-          <p:cNvPr id="150" name="Google Shape;150;ga8ec799708_0_295:notes"/>
+          <p:cNvPr id="158" name="Google Shape;158;ga8ec799708_0_295:notes"/>
           <p:cNvSpPr txBox="1"/>
           <p:nvPr>
             <p:ph idx="1" type="body"/>
@@ -19721,7 +20009,7 @@
             <a:r>
               <a:t/>
             </a:r>
-            <a:endParaRPr/>
+            <a:endParaRPr b="1"/>
           </a:p>
           <a:p>
             <a:pPr indent="0" lvl="0" marL="0" rtl="0" algn="l">
@@ -19736,7 +20024,7 @@
             <a:r>
               <a:t/>
             </a:r>
-            <a:endParaRPr/>
+            <a:endParaRPr b="1"/>
           </a:p>
           <a:p>
             <a:pPr indent="0" lvl="0" marL="0" rtl="0" algn="l">
@@ -19754,10 +20042,10 @@
               <a:buNone/>
             </a:pPr>
             <a:r>
-              <a:rPr lang="en-US"/>
+              <a:rPr b="1" lang="en-US"/>
               <a:t>Level-setting</a:t>
             </a:r>
-            <a:endParaRPr/>
+            <a:endParaRPr b="1"/>
           </a:p>
           <a:p>
             <a:pPr indent="0" lvl="0" marL="0" rtl="0" algn="l">
@@ -19772,7 +20060,7 @@
             <a:r>
               <a:t/>
             </a:r>
-            <a:endParaRPr/>
+            <a:endParaRPr b="1"/>
           </a:p>
           <a:p>
             <a:pPr indent="0" lvl="0" marL="0" rtl="0" algn="l">
@@ -19790,10 +20078,10 @@
               <a:buNone/>
             </a:pPr>
             <a:r>
-              <a:rPr lang="en-US"/>
+              <a:rPr b="1" lang="en-US"/>
               <a:t>The Process</a:t>
             </a:r>
-            <a:endParaRPr/>
+            <a:endParaRPr b="1"/>
           </a:p>
           <a:p>
             <a:pPr indent="0" lvl="0" marL="0" rtl="0" algn="l">
@@ -19808,7 +20096,7 @@
             <a:r>
               <a:t/>
             </a:r>
-            <a:endParaRPr/>
+            <a:endParaRPr b="1"/>
           </a:p>
           <a:p>
             <a:pPr indent="0" lvl="0" marL="0" rtl="0" algn="l">
@@ -19826,10 +20114,10 @@
               <a:buNone/>
             </a:pPr>
             <a:r>
-              <a:rPr lang="en-US"/>
+              <a:rPr b="1" lang="en-US"/>
               <a:t>Resources</a:t>
             </a:r>
-            <a:endParaRPr/>
+            <a:endParaRPr b="1"/>
           </a:p>
           <a:p>
             <a:pPr indent="0" lvl="0" marL="0" rtl="0" algn="l">
@@ -19849,7 +20137,7 @@
             <a:r>
               <a:t/>
             </a:r>
-            <a:endParaRPr/>
+            <a:endParaRPr b="1"/>
           </a:p>
           <a:p>
             <a:pPr indent="0" lvl="0" marL="0" rtl="0" algn="l">
@@ -19867,10 +20155,10 @@
               <a:buNone/>
             </a:pPr>
             <a:r>
-              <a:rPr lang="en-US"/>
+              <a:rPr b="1" lang="en-US"/>
               <a:t>Gimme-the-demooo</a:t>
             </a:r>
-            <a:endParaRPr/>
+            <a:endParaRPr b="1"/>
           </a:p>
           <a:p>
             <a:pPr indent="0" lvl="0" marL="0" rtl="0" algn="l">
@@ -19885,7 +20173,7 @@
             <a:r>
               <a:t/>
             </a:r>
-            <a:endParaRPr/>
+            <a:endParaRPr b="1"/>
           </a:p>
         </p:txBody>
       </p:sp>
@@ -20786,6 +21074,690 @@
             </a:pPr>
             <a:r>
               <a:rPr b="1" lang="en-US"/>
+              <a:t>QUICK ON VPNS</a:t>
+            </a:r>
+            <a:endParaRPr b="1"/>
+          </a:p>
+        </p:txBody>
+      </p:sp>
+      <p:sp>
+        <p:nvSpPr>
+          <p:cNvPr id="134" name="Google Shape;134;g17af781cee5_1_315"/>
+          <p:cNvSpPr txBox="1"/>
+          <p:nvPr/>
+        </p:nvSpPr>
+        <p:spPr>
+          <a:xfrm>
+            <a:off x="599533" y="1650467"/>
+            <a:ext cx="10586400" cy="4448400"/>
+          </a:xfrm>
+          <a:prstGeom prst="rect">
+            <a:avLst/>
+          </a:prstGeom>
+          <a:noFill/>
+          <a:ln>
+            <a:noFill/>
+          </a:ln>
+        </p:spPr>
+        <p:txBody>
+          <a:bodyPr anchorCtr="0" anchor="t" bIns="60925" lIns="121900" spcFirstLastPara="1" rIns="121900" wrap="square" tIns="60925">
+            <a:spAutoFit/>
+          </a:bodyPr>
+          <a:lstStyle/>
+          <a:p>
+            <a:pPr indent="0" lvl="0" marL="0" marR="0" rtl="0" algn="l">
+              <a:lnSpc>
+                <a:spcPct val="100000"/>
+              </a:lnSpc>
+              <a:spcBef>
+                <a:spcPts val="0"/>
+              </a:spcBef>
+              <a:spcAft>
+                <a:spcPts val="0"/>
+              </a:spcAft>
+              <a:buClr>
+                <a:srgbClr val="000000"/>
+              </a:buClr>
+              <a:buSzPts val="2400"/>
+              <a:buFont typeface="Arial"/>
+              <a:buNone/>
+            </a:pPr>
+            <a:r>
+              <a:rPr b="1" i="1" lang="en-US" sz="2400" u="none" cap="none" strike="noStrike">
+                <a:solidFill>
+                  <a:schemeClr val="lt1"/>
+                </a:solidFill>
+                <a:latin typeface="Arial"/>
+                <a:ea typeface="Arial"/>
+                <a:cs typeface="Arial"/>
+                <a:sym typeface="Arial"/>
+              </a:rPr>
+              <a:t>Better safe than sorry…</a:t>
+            </a:r>
+            <a:endParaRPr b="0" i="0" sz="2400" u="none" cap="none" strike="noStrike">
+              <a:solidFill>
+                <a:schemeClr val="lt1"/>
+              </a:solidFill>
+              <a:latin typeface="Arial"/>
+              <a:ea typeface="Arial"/>
+              <a:cs typeface="Arial"/>
+              <a:sym typeface="Arial"/>
+            </a:endParaRPr>
+          </a:p>
+          <a:p>
+            <a:pPr indent="-425450" lvl="0" marL="609600" marR="0" rtl="0" algn="l">
+              <a:lnSpc>
+                <a:spcPct val="100000"/>
+              </a:lnSpc>
+              <a:spcBef>
+                <a:spcPts val="0"/>
+              </a:spcBef>
+              <a:spcAft>
+                <a:spcPts val="0"/>
+              </a:spcAft>
+              <a:buClr>
+                <a:schemeClr val="lt1"/>
+              </a:buClr>
+              <a:buSzPts val="1900"/>
+              <a:buFont typeface="Arial"/>
+              <a:buChar char="●"/>
+            </a:pPr>
+            <a:r>
+              <a:rPr b="0" i="0" lang="en-US" sz="1900" u="none" cap="none" strike="noStrike">
+                <a:solidFill>
+                  <a:schemeClr val="lt1"/>
+                </a:solidFill>
+                <a:latin typeface="Arial"/>
+                <a:ea typeface="Arial"/>
+                <a:cs typeface="Arial"/>
+                <a:sym typeface="Arial"/>
+              </a:rPr>
+              <a:t>Serious implications</a:t>
+            </a:r>
+            <a:endParaRPr b="0" i="0" sz="1900" u="none" cap="none" strike="noStrike">
+              <a:solidFill>
+                <a:schemeClr val="lt1"/>
+              </a:solidFill>
+              <a:latin typeface="Arial"/>
+              <a:ea typeface="Arial"/>
+              <a:cs typeface="Arial"/>
+              <a:sym typeface="Arial"/>
+            </a:endParaRPr>
+          </a:p>
+          <a:p>
+            <a:pPr indent="-425450" lvl="0" marL="609600" marR="0" rtl="0" algn="l">
+              <a:lnSpc>
+                <a:spcPct val="100000"/>
+              </a:lnSpc>
+              <a:spcBef>
+                <a:spcPts val="0"/>
+              </a:spcBef>
+              <a:spcAft>
+                <a:spcPts val="0"/>
+              </a:spcAft>
+              <a:buClr>
+                <a:schemeClr val="lt1"/>
+              </a:buClr>
+              <a:buSzPts val="1900"/>
+              <a:buFont typeface="Arial"/>
+              <a:buChar char="●"/>
+            </a:pPr>
+            <a:r>
+              <a:rPr b="0" i="0" lang="en-US" sz="1900" u="none" cap="none" strike="noStrike">
+                <a:solidFill>
+                  <a:schemeClr val="lt1"/>
+                </a:solidFill>
+                <a:latin typeface="Arial"/>
+                <a:ea typeface="Arial"/>
+                <a:cs typeface="Arial"/>
+                <a:sym typeface="Arial"/>
+              </a:rPr>
+              <a:t>Intention means nothing</a:t>
+            </a:r>
+            <a:endParaRPr b="0" i="0" sz="1900" u="none" cap="none" strike="noStrike">
+              <a:solidFill>
+                <a:schemeClr val="lt1"/>
+              </a:solidFill>
+              <a:latin typeface="Arial"/>
+              <a:ea typeface="Arial"/>
+              <a:cs typeface="Arial"/>
+              <a:sym typeface="Arial"/>
+            </a:endParaRPr>
+          </a:p>
+          <a:p>
+            <a:pPr indent="0" lvl="0" marL="0" marR="0" rtl="0" algn="l">
+              <a:lnSpc>
+                <a:spcPct val="100000"/>
+              </a:lnSpc>
+              <a:spcBef>
+                <a:spcPts val="0"/>
+              </a:spcBef>
+              <a:spcAft>
+                <a:spcPts val="0"/>
+              </a:spcAft>
+              <a:buClr>
+                <a:srgbClr val="000000"/>
+              </a:buClr>
+              <a:buSzPts val="2400"/>
+              <a:buFont typeface="Arial"/>
+              <a:buNone/>
+            </a:pPr>
+            <a:r>
+              <a:t/>
+            </a:r>
+            <a:endParaRPr b="0" i="0" sz="1900" u="none" cap="none" strike="noStrike">
+              <a:solidFill>
+                <a:schemeClr val="lt1"/>
+              </a:solidFill>
+              <a:latin typeface="Arial"/>
+              <a:ea typeface="Arial"/>
+              <a:cs typeface="Arial"/>
+              <a:sym typeface="Arial"/>
+            </a:endParaRPr>
+          </a:p>
+          <a:p>
+            <a:pPr indent="0" lvl="0" marL="0" marR="0" rtl="0" algn="l">
+              <a:lnSpc>
+                <a:spcPct val="100000"/>
+              </a:lnSpc>
+              <a:spcBef>
+                <a:spcPts val="0"/>
+              </a:spcBef>
+              <a:spcAft>
+                <a:spcPts val="0"/>
+              </a:spcAft>
+              <a:buClr>
+                <a:srgbClr val="000000"/>
+              </a:buClr>
+              <a:buSzPts val="2400"/>
+              <a:buFont typeface="Arial"/>
+              <a:buNone/>
+            </a:pPr>
+            <a:r>
+              <a:t/>
+            </a:r>
+            <a:endParaRPr b="0" i="0" sz="1900" u="none" cap="none" strike="noStrike">
+              <a:solidFill>
+                <a:schemeClr val="lt1"/>
+              </a:solidFill>
+              <a:latin typeface="Arial"/>
+              <a:ea typeface="Arial"/>
+              <a:cs typeface="Arial"/>
+              <a:sym typeface="Arial"/>
+            </a:endParaRPr>
+          </a:p>
+          <a:p>
+            <a:pPr indent="0" lvl="0" marL="0" marR="0" rtl="0" algn="l">
+              <a:lnSpc>
+                <a:spcPct val="100000"/>
+              </a:lnSpc>
+              <a:spcBef>
+                <a:spcPts val="0"/>
+              </a:spcBef>
+              <a:spcAft>
+                <a:spcPts val="0"/>
+              </a:spcAft>
+              <a:buClr>
+                <a:srgbClr val="000000"/>
+              </a:buClr>
+              <a:buSzPts val="2400"/>
+              <a:buFont typeface="Arial"/>
+              <a:buNone/>
+            </a:pPr>
+            <a:r>
+              <a:rPr b="1" i="1" lang="en-US" sz="2400" u="none" cap="none" strike="noStrike">
+                <a:solidFill>
+                  <a:schemeClr val="lt1"/>
+                </a:solidFill>
+                <a:latin typeface="Arial"/>
+                <a:ea typeface="Arial"/>
+                <a:cs typeface="Arial"/>
+                <a:sym typeface="Arial"/>
+              </a:rPr>
+              <a:t>Not all VPNs support Tor</a:t>
+            </a:r>
+            <a:endParaRPr b="0" i="0" sz="2400" u="none" cap="none" strike="noStrike">
+              <a:solidFill>
+                <a:schemeClr val="lt1"/>
+              </a:solidFill>
+              <a:latin typeface="Arial"/>
+              <a:ea typeface="Arial"/>
+              <a:cs typeface="Arial"/>
+              <a:sym typeface="Arial"/>
+            </a:endParaRPr>
+          </a:p>
+          <a:p>
+            <a:pPr indent="-425450" lvl="0" marL="609600" marR="0" rtl="0" algn="l">
+              <a:lnSpc>
+                <a:spcPct val="100000"/>
+              </a:lnSpc>
+              <a:spcBef>
+                <a:spcPts val="0"/>
+              </a:spcBef>
+              <a:spcAft>
+                <a:spcPts val="0"/>
+              </a:spcAft>
+              <a:buClr>
+                <a:schemeClr val="lt1"/>
+              </a:buClr>
+              <a:buSzPts val="1900"/>
+              <a:buFont typeface="Arial"/>
+              <a:buChar char="●"/>
+            </a:pPr>
+            <a:r>
+              <a:rPr b="1" i="0" lang="en-US" sz="1900" u="none" cap="none" strike="noStrike">
+                <a:solidFill>
+                  <a:schemeClr val="lt1"/>
+                </a:solidFill>
+                <a:latin typeface="Arial"/>
+                <a:ea typeface="Arial"/>
+                <a:cs typeface="Arial"/>
+                <a:sym typeface="Arial"/>
+              </a:rPr>
+              <a:t>ProtonVPN</a:t>
+            </a:r>
+            <a:r>
+              <a:rPr b="0" i="0" lang="en-US" sz="1900" u="none" cap="none" strike="noStrike">
+                <a:solidFill>
+                  <a:schemeClr val="lt1"/>
+                </a:solidFill>
+                <a:latin typeface="Arial"/>
+                <a:ea typeface="Arial"/>
+                <a:cs typeface="Arial"/>
+                <a:sym typeface="Arial"/>
+              </a:rPr>
+              <a:t> - https[://]www[.]protonvpn[.]com</a:t>
+            </a:r>
+            <a:endParaRPr b="0" i="0" sz="1900" u="none" cap="none" strike="noStrike">
+              <a:solidFill>
+                <a:schemeClr val="lt1"/>
+              </a:solidFill>
+              <a:latin typeface="Arial"/>
+              <a:ea typeface="Arial"/>
+              <a:cs typeface="Arial"/>
+              <a:sym typeface="Arial"/>
+            </a:endParaRPr>
+          </a:p>
+          <a:p>
+            <a:pPr indent="-425450" lvl="0" marL="609600" marR="0" rtl="0" algn="l">
+              <a:lnSpc>
+                <a:spcPct val="100000"/>
+              </a:lnSpc>
+              <a:spcBef>
+                <a:spcPts val="0"/>
+              </a:spcBef>
+              <a:spcAft>
+                <a:spcPts val="0"/>
+              </a:spcAft>
+              <a:buClr>
+                <a:schemeClr val="lt1"/>
+              </a:buClr>
+              <a:buSzPts val="1900"/>
+              <a:buFont typeface="Arial"/>
+              <a:buChar char="●"/>
+            </a:pPr>
+            <a:r>
+              <a:rPr b="1" i="0" lang="en-US" sz="1900" u="none" cap="none" strike="noStrike">
+                <a:solidFill>
+                  <a:schemeClr val="lt1"/>
+                </a:solidFill>
+                <a:latin typeface="Arial"/>
+                <a:ea typeface="Arial"/>
+                <a:cs typeface="Arial"/>
+                <a:sym typeface="Arial"/>
+              </a:rPr>
+              <a:t>AirVPN</a:t>
+            </a:r>
+            <a:r>
+              <a:rPr b="0" i="0" lang="en-US" sz="1900" u="none" cap="none" strike="noStrike">
+                <a:solidFill>
+                  <a:schemeClr val="lt1"/>
+                </a:solidFill>
+                <a:latin typeface="Arial"/>
+                <a:ea typeface="Arial"/>
+                <a:cs typeface="Arial"/>
+                <a:sym typeface="Arial"/>
+              </a:rPr>
+              <a:t> - https[://]www[.]airvpn[.]org</a:t>
+            </a:r>
+            <a:endParaRPr b="0" i="0" sz="1900" u="none" cap="none" strike="noStrike">
+              <a:solidFill>
+                <a:schemeClr val="lt1"/>
+              </a:solidFill>
+              <a:latin typeface="Arial"/>
+              <a:ea typeface="Arial"/>
+              <a:cs typeface="Arial"/>
+              <a:sym typeface="Arial"/>
+            </a:endParaRPr>
+          </a:p>
+          <a:p>
+            <a:pPr indent="0" lvl="0" marL="0" marR="0" rtl="0" algn="l">
+              <a:lnSpc>
+                <a:spcPct val="100000"/>
+              </a:lnSpc>
+              <a:spcBef>
+                <a:spcPts val="0"/>
+              </a:spcBef>
+              <a:spcAft>
+                <a:spcPts val="0"/>
+              </a:spcAft>
+              <a:buClr>
+                <a:srgbClr val="000000"/>
+              </a:buClr>
+              <a:buSzPts val="2400"/>
+              <a:buFont typeface="Arial"/>
+              <a:buNone/>
+            </a:pPr>
+            <a:r>
+              <a:t/>
+            </a:r>
+            <a:endParaRPr b="0" i="0" sz="1900" u="none" cap="none" strike="noStrike">
+              <a:solidFill>
+                <a:schemeClr val="lt1"/>
+              </a:solidFill>
+              <a:latin typeface="Arial"/>
+              <a:ea typeface="Arial"/>
+              <a:cs typeface="Arial"/>
+              <a:sym typeface="Arial"/>
+            </a:endParaRPr>
+          </a:p>
+          <a:p>
+            <a:pPr indent="0" lvl="0" marL="0" marR="0" rtl="0" algn="l">
+              <a:lnSpc>
+                <a:spcPct val="100000"/>
+              </a:lnSpc>
+              <a:spcBef>
+                <a:spcPts val="0"/>
+              </a:spcBef>
+              <a:spcAft>
+                <a:spcPts val="0"/>
+              </a:spcAft>
+              <a:buClr>
+                <a:srgbClr val="000000"/>
+              </a:buClr>
+              <a:buSzPts val="2400"/>
+              <a:buFont typeface="Arial"/>
+              <a:buNone/>
+            </a:pPr>
+            <a:r>
+              <a:t/>
+            </a:r>
+            <a:endParaRPr b="0" i="0" sz="1900" u="none" cap="none" strike="noStrike">
+              <a:solidFill>
+                <a:schemeClr val="lt1"/>
+              </a:solidFill>
+              <a:latin typeface="Arial"/>
+              <a:ea typeface="Arial"/>
+              <a:cs typeface="Arial"/>
+              <a:sym typeface="Arial"/>
+            </a:endParaRPr>
+          </a:p>
+          <a:p>
+            <a:pPr indent="0" lvl="0" marL="0" marR="0" rtl="0" algn="l">
+              <a:lnSpc>
+                <a:spcPct val="100000"/>
+              </a:lnSpc>
+              <a:spcBef>
+                <a:spcPts val="0"/>
+              </a:spcBef>
+              <a:spcAft>
+                <a:spcPts val="0"/>
+              </a:spcAft>
+              <a:buClr>
+                <a:srgbClr val="000000"/>
+              </a:buClr>
+              <a:buSzPts val="2400"/>
+              <a:buFont typeface="Arial"/>
+              <a:buNone/>
+            </a:pPr>
+            <a:r>
+              <a:rPr b="1" i="1" lang="en-US" sz="2400" u="none" cap="none" strike="noStrike">
+                <a:solidFill>
+                  <a:schemeClr val="lt1"/>
+                </a:solidFill>
+                <a:latin typeface="Arial"/>
+                <a:ea typeface="Arial"/>
+                <a:cs typeface="Arial"/>
+                <a:sym typeface="Arial"/>
+              </a:rPr>
+              <a:t>Network Lock for the W!</a:t>
+            </a:r>
+            <a:endParaRPr b="0" i="0" sz="2400" u="none" cap="none" strike="noStrike">
+              <a:solidFill>
+                <a:schemeClr val="lt1"/>
+              </a:solidFill>
+              <a:latin typeface="Arial"/>
+              <a:ea typeface="Arial"/>
+              <a:cs typeface="Arial"/>
+              <a:sym typeface="Arial"/>
+            </a:endParaRPr>
+          </a:p>
+          <a:p>
+            <a:pPr indent="-425450" lvl="0" marL="609600" marR="0" rtl="0" algn="l">
+              <a:lnSpc>
+                <a:spcPct val="100000"/>
+              </a:lnSpc>
+              <a:spcBef>
+                <a:spcPts val="0"/>
+              </a:spcBef>
+              <a:spcAft>
+                <a:spcPts val="0"/>
+              </a:spcAft>
+              <a:buClr>
+                <a:srgbClr val="980000"/>
+              </a:buClr>
+              <a:buSzPts val="1900"/>
+              <a:buFont typeface="Arial"/>
+              <a:buChar char="●"/>
+            </a:pPr>
+            <a:r>
+              <a:rPr b="1" i="0" lang="en-US" sz="1900" u="none" cap="none" strike="noStrike">
+                <a:solidFill>
+                  <a:srgbClr val="980000"/>
+                </a:solidFill>
+                <a:latin typeface="Arial"/>
+                <a:ea typeface="Arial"/>
+                <a:cs typeface="Arial"/>
+                <a:sym typeface="Arial"/>
+              </a:rPr>
+              <a:t>Mission Critical</a:t>
+            </a:r>
+            <a:endParaRPr b="1" i="0" sz="1900" u="none" cap="none" strike="noStrike">
+              <a:solidFill>
+                <a:srgbClr val="980000"/>
+              </a:solidFill>
+              <a:latin typeface="Arial"/>
+              <a:ea typeface="Arial"/>
+              <a:cs typeface="Arial"/>
+              <a:sym typeface="Arial"/>
+            </a:endParaRPr>
+          </a:p>
+          <a:p>
+            <a:pPr indent="-425450" lvl="0" marL="609600" marR="0" rtl="0" algn="l">
+              <a:lnSpc>
+                <a:spcPct val="100000"/>
+              </a:lnSpc>
+              <a:spcBef>
+                <a:spcPts val="0"/>
+              </a:spcBef>
+              <a:spcAft>
+                <a:spcPts val="0"/>
+              </a:spcAft>
+              <a:buClr>
+                <a:srgbClr val="980000"/>
+              </a:buClr>
+              <a:buSzPts val="1900"/>
+              <a:buFont typeface="Arial"/>
+              <a:buChar char="●"/>
+            </a:pPr>
+            <a:r>
+              <a:rPr b="1" i="0" lang="en-US" sz="1900" u="none" cap="none" strike="noStrike">
+                <a:solidFill>
+                  <a:srgbClr val="980000"/>
+                </a:solidFill>
+                <a:latin typeface="Arial"/>
+                <a:ea typeface="Arial"/>
+                <a:cs typeface="Arial"/>
+                <a:sym typeface="Arial"/>
+              </a:rPr>
+              <a:t>M I S S I O N    C R I T I C A L</a:t>
+            </a:r>
+            <a:endParaRPr b="1" i="0" sz="1900" u="none" cap="none" strike="noStrike">
+              <a:solidFill>
+                <a:srgbClr val="980000"/>
+              </a:solidFill>
+              <a:latin typeface="Arial"/>
+              <a:ea typeface="Arial"/>
+              <a:cs typeface="Arial"/>
+              <a:sym typeface="Arial"/>
+            </a:endParaRPr>
+          </a:p>
+          <a:p>
+            <a:pPr indent="0" lvl="0" marL="0" marR="0" rtl="0" algn="l">
+              <a:lnSpc>
+                <a:spcPct val="100000"/>
+              </a:lnSpc>
+              <a:spcBef>
+                <a:spcPts val="0"/>
+              </a:spcBef>
+              <a:spcAft>
+                <a:spcPts val="0"/>
+              </a:spcAft>
+              <a:buClr>
+                <a:srgbClr val="000000"/>
+              </a:buClr>
+              <a:buSzPts val="2400"/>
+              <a:buFont typeface="Arial"/>
+              <a:buNone/>
+            </a:pPr>
+            <a:r>
+              <a:t/>
+            </a:r>
+            <a:endParaRPr b="0" i="0" sz="1900" u="none" cap="none" strike="noStrike">
+              <a:solidFill>
+                <a:schemeClr val="lt1"/>
+              </a:solidFill>
+              <a:latin typeface="Arial"/>
+              <a:ea typeface="Arial"/>
+              <a:cs typeface="Arial"/>
+              <a:sym typeface="Arial"/>
+            </a:endParaRPr>
+          </a:p>
+        </p:txBody>
+      </p:sp>
+      <p:pic>
+        <p:nvPicPr>
+          <p:cNvPr id="135" name="Google Shape;135;g17af781cee5_1_315"/>
+          <p:cNvPicPr preferRelativeResize="0"/>
+          <p:nvPr/>
+        </p:nvPicPr>
+        <p:blipFill rotWithShape="1">
+          <a:blip r:embed="rId3">
+            <a:alphaModFix/>
+          </a:blip>
+          <a:srcRect b="0" l="0" r="0" t="0"/>
+          <a:stretch/>
+        </p:blipFill>
+        <p:spPr>
+          <a:xfrm>
+            <a:off x="6197600" y="1627667"/>
+            <a:ext cx="4940431" cy="2721100"/>
+          </a:xfrm>
+          <a:prstGeom prst="rect">
+            <a:avLst/>
+          </a:prstGeom>
+          <a:noFill/>
+          <a:ln>
+            <a:noFill/>
+          </a:ln>
+        </p:spPr>
+      </p:pic>
+      <p:pic>
+        <p:nvPicPr>
+          <p:cNvPr id="136" name="Google Shape;136;g17af781cee5_1_315"/>
+          <p:cNvPicPr preferRelativeResize="0"/>
+          <p:nvPr/>
+        </p:nvPicPr>
+        <p:blipFill rotWithShape="1">
+          <a:blip r:embed="rId4">
+            <a:alphaModFix/>
+          </a:blip>
+          <a:srcRect b="0" l="0" r="0" t="0"/>
+          <a:stretch/>
+        </p:blipFill>
+        <p:spPr>
+          <a:xfrm>
+            <a:off x="7467733" y="3541133"/>
+            <a:ext cx="4281964" cy="3180166"/>
+          </a:xfrm>
+          <a:prstGeom prst="rect">
+            <a:avLst/>
+          </a:prstGeom>
+          <a:noFill/>
+          <a:ln>
+            <a:noFill/>
+          </a:ln>
+        </p:spPr>
+      </p:pic>
+    </p:spTree>
+  </p:cSld>
+  <p:clrMapOvr>
+    <a:masterClrMapping/>
+  </p:clrMapOvr>
+</p:sld>
+</file>
+
+<file path=ppt/slides/slide6.xml><?xml version="1.0" encoding="utf-8"?>
+<p:sld xmlns:a="http://schemas.openxmlformats.org/drawingml/2006/main" xmlns:r="http://schemas.openxmlformats.org/officeDocument/2006/relationships" xmlns:mc="http://schemas.openxmlformats.org/markup-compatibility/2006" xmlns:mv="urn:schemas-microsoft-com:mac:vml" xmlns:p="http://schemas.openxmlformats.org/presentationml/2006/main" xmlns:c="http://schemas.openxmlformats.org/drawingml/2006/chart" xmlns:dgm="http://schemas.openxmlformats.org/drawingml/2006/diagram" xmlns:o="urn:schemas-microsoft-com:office:office" xmlns:v="urn:schemas-microsoft-com:vml" xmlns:pvml="urn:schemas-microsoft-com:office:powerpoint" xmlns:com="http://schemas.openxmlformats.org/drawingml/2006/compatibility" xmlns:p14="http://schemas.microsoft.com/office/powerpoint/2010/main" xmlns:p15="http://schemas.microsoft.com/office/powerpoint/2012/main" xmlns:ahyp="http://schemas.microsoft.com/office/drawing/2018/hyperlinkcolor">
+  <p:cSld>
+    <p:spTree>
+      <p:nvGrpSpPr>
+        <p:cNvPr id="140" name="Shape 140"/>
+        <p:cNvGrpSpPr/>
+        <p:nvPr/>
+      </p:nvGrpSpPr>
+      <p:grpSpPr>
+        <a:xfrm>
+          <a:off x="0" y="0"/>
+          <a:ext cx="0" cy="0"/>
+          <a:chOff x="0" y="0"/>
+          <a:chExt cx="0" cy="0"/>
+        </a:xfrm>
+      </p:grpSpPr>
+      <p:sp>
+        <p:nvSpPr>
+          <p:cNvPr id="141" name="Google Shape;141;g17d61af18e0_0_0"/>
+          <p:cNvSpPr txBox="1"/>
+          <p:nvPr>
+            <p:ph type="title"/>
+          </p:nvPr>
+        </p:nvSpPr>
+        <p:spPr>
+          <a:xfrm>
+            <a:off x="838200" y="365125"/>
+            <a:ext cx="10515600" cy="1325700"/>
+          </a:xfrm>
+          <a:prstGeom prst="rect">
+            <a:avLst/>
+          </a:prstGeom>
+        </p:spPr>
+        <p:txBody>
+          <a:bodyPr anchorCtr="0" anchor="ctr" bIns="45700" lIns="91425" spcFirstLastPara="1" rIns="91425" wrap="square" tIns="45700">
+            <a:normAutofit/>
+          </a:bodyPr>
+          <a:lstStyle/>
+          <a:p>
+            <a:pPr indent="0" lvl="0" marL="0" rtl="0" algn="ctr">
+              <a:spcBef>
+                <a:spcPts val="0"/>
+              </a:spcBef>
+              <a:spcAft>
+                <a:spcPts val="0"/>
+              </a:spcAft>
+              <a:buNone/>
+            </a:pPr>
+            <a:r>
+              <a:rPr b="1" lang="en-US"/>
               <a:t>RESOURCES (TOOLS)</a:t>
             </a:r>
             <a:endParaRPr b="1"/>
@@ -20794,7 +21766,7 @@
       </p:sp>
       <p:sp>
         <p:nvSpPr>
-          <p:cNvPr id="134" name="Google Shape;134;g17af781cee5_1_315"/>
+          <p:cNvPr id="142" name="Google Shape;142;g17d61af18e0_0_0"/>
           <p:cNvSpPr txBox="1"/>
           <p:nvPr/>
         </p:nvSpPr>
@@ -21527,7 +22499,7 @@
       </p:sp>
       <p:pic>
         <p:nvPicPr>
-          <p:cNvPr id="135" name="Google Shape;135;g17af781cee5_1_315"/>
+          <p:cNvPr id="143" name="Google Shape;143;g17d61af18e0_0_0"/>
           <p:cNvPicPr preferRelativeResize="0"/>
           <p:nvPr/>
         </p:nvPicPr>
@@ -21567,12 +22539,12 @@
 </p:sld>
 </file>
 
-<file path=ppt/slides/slide6.xml><?xml version="1.0" encoding="utf-8"?>
+<file path=ppt/slides/slide7.xml><?xml version="1.0" encoding="utf-8"?>
 <p:sld xmlns:a="http://schemas.openxmlformats.org/drawingml/2006/main" xmlns:r="http://schemas.openxmlformats.org/officeDocument/2006/relationships" xmlns:mc="http://schemas.openxmlformats.org/markup-compatibility/2006" xmlns:mv="urn:schemas-microsoft-com:mac:vml" xmlns:p="http://schemas.openxmlformats.org/presentationml/2006/main" xmlns:c="http://schemas.openxmlformats.org/drawingml/2006/chart" xmlns:dgm="http://schemas.openxmlformats.org/drawingml/2006/diagram" xmlns:o="urn:schemas-microsoft-com:office:office" xmlns:v="urn:schemas-microsoft-com:vml" xmlns:pvml="urn:schemas-microsoft-com:office:powerpoint" xmlns:com="http://schemas.openxmlformats.org/drawingml/2006/compatibility" xmlns:p14="http://schemas.microsoft.com/office/powerpoint/2010/main" xmlns:p15="http://schemas.microsoft.com/office/powerpoint/2012/main" xmlns:ahyp="http://schemas.microsoft.com/office/drawing/2018/hyperlinkcolor">
   <p:cSld>
     <p:spTree>
       <p:nvGrpSpPr>
-        <p:cNvPr id="139" name="Shape 139"/>
+        <p:cNvPr id="147" name="Shape 147"/>
         <p:cNvGrpSpPr/>
         <p:nvPr/>
       </p:nvGrpSpPr>
@@ -21586,7 +22558,7 @@
       </p:grpSpPr>
       <p:sp>
         <p:nvSpPr>
-          <p:cNvPr id="140" name="Google Shape;140;g17af781cee5_1_320"/>
+          <p:cNvPr id="148" name="Google Shape;148;g17af781cee5_1_320"/>
           <p:cNvSpPr txBox="1"/>
           <p:nvPr>
             <p:ph type="title"/>
@@ -21626,7 +22598,7 @@
       </p:sp>
       <p:sp>
         <p:nvSpPr>
-          <p:cNvPr id="141" name="Google Shape;141;g17af781cee5_1_320"/>
+          <p:cNvPr id="149" name="Google Shape;149;g17af781cee5_1_320"/>
           <p:cNvSpPr txBox="1"/>
           <p:nvPr/>
         </p:nvSpPr>
@@ -22244,12 +23216,12 @@
 </p:sld>
 </file>
 
-<file path=ppt/slides/slide7.xml><?xml version="1.0" encoding="utf-8"?>
+<file path=ppt/slides/slide8.xml><?xml version="1.0" encoding="utf-8"?>
 <p:sld xmlns:a="http://schemas.openxmlformats.org/drawingml/2006/main" xmlns:r="http://schemas.openxmlformats.org/officeDocument/2006/relationships" xmlns:mc="http://schemas.openxmlformats.org/markup-compatibility/2006" xmlns:mv="urn:schemas-microsoft-com:mac:vml" xmlns:p="http://schemas.openxmlformats.org/presentationml/2006/main" xmlns:c="http://schemas.openxmlformats.org/drawingml/2006/chart" xmlns:dgm="http://schemas.openxmlformats.org/drawingml/2006/diagram" xmlns:o="urn:schemas-microsoft-com:office:office" xmlns:v="urn:schemas-microsoft-com:vml" xmlns:pvml="urn:schemas-microsoft-com:office:powerpoint" xmlns:com="http://schemas.openxmlformats.org/drawingml/2006/compatibility" xmlns:p14="http://schemas.microsoft.com/office/powerpoint/2010/main" xmlns:p15="http://schemas.microsoft.com/office/powerpoint/2012/main" xmlns:ahyp="http://schemas.microsoft.com/office/drawing/2018/hyperlinkcolor">
   <p:cSld>
     <p:spTree>
       <p:nvGrpSpPr>
-        <p:cNvPr id="145" name="Shape 145"/>
+        <p:cNvPr id="153" name="Shape 153"/>
         <p:cNvGrpSpPr/>
         <p:nvPr/>
       </p:nvGrpSpPr>
@@ -22263,7 +23235,7 @@
       </p:grpSpPr>
       <p:sp>
         <p:nvSpPr>
-          <p:cNvPr id="146" name="Google Shape;146;g17af781cee5_1_327"/>
+          <p:cNvPr id="154" name="Google Shape;154;g17af781cee5_1_327"/>
           <p:cNvSpPr txBox="1"/>
           <p:nvPr>
             <p:ph type="title"/>
@@ -22303,7 +23275,7 @@
       </p:sp>
       <p:pic>
         <p:nvPicPr>
-          <p:cNvPr id="147" name="Google Shape;147;g17af781cee5_1_327"/>
+          <p:cNvPr id="155" name="Google Shape;155;g17af781cee5_1_327"/>
           <p:cNvPicPr preferRelativeResize="0"/>
           <p:nvPr/>
         </p:nvPicPr>
@@ -22367,7 +23339,7 @@
                                           </p:stCondLst>
                                         </p:cTn>
                                         <p:tgtEl>
-                                          <p:spTgt spid="147"/>
+                                          <p:spTgt spid="155"/>
                                         </p:tgtEl>
                                         <p:attrNameLst>
                                           <p:attrName>style.visibility</p:attrName>
@@ -22381,7 +23353,7 @@
                                       <p:cBhvr>
                                         <p:cTn dur="100"/>
                                         <p:tgtEl>
-                                          <p:spTgt spid="147"/>
+                                          <p:spTgt spid="155"/>
                                         </p:tgtEl>
                                       </p:cBhvr>
                                     </p:animEffect>
@@ -22419,12 +23391,12 @@
 </p:sld>
 </file>
 
-<file path=ppt/slides/slide8.xml><?xml version="1.0" encoding="utf-8"?>
+<file path=ppt/slides/slide9.xml><?xml version="1.0" encoding="utf-8"?>
 <p:sld xmlns:a="http://schemas.openxmlformats.org/drawingml/2006/main" xmlns:r="http://schemas.openxmlformats.org/officeDocument/2006/relationships" xmlns:mc="http://schemas.openxmlformats.org/markup-compatibility/2006" xmlns:mv="urn:schemas-microsoft-com:mac:vml" xmlns:p="http://schemas.openxmlformats.org/presentationml/2006/main" xmlns:c="http://schemas.openxmlformats.org/drawingml/2006/chart" xmlns:dgm="http://schemas.openxmlformats.org/drawingml/2006/diagram" xmlns:o="urn:schemas-microsoft-com:office:office" xmlns:v="urn:schemas-microsoft-com:vml" xmlns:pvml="urn:schemas-microsoft-com:office:powerpoint" xmlns:com="http://schemas.openxmlformats.org/drawingml/2006/compatibility" xmlns:p14="http://schemas.microsoft.com/office/powerpoint/2010/main" xmlns:p15="http://schemas.microsoft.com/office/powerpoint/2012/main" xmlns:ahyp="http://schemas.microsoft.com/office/drawing/2018/hyperlinkcolor">
   <p:cSld>
     <p:spTree>
       <p:nvGrpSpPr>
-        <p:cNvPr id="151" name="Shape 151"/>
+        <p:cNvPr id="159" name="Shape 159"/>
         <p:cNvGrpSpPr/>
         <p:nvPr/>
       </p:nvGrpSpPr>
@@ -22438,7 +23410,7 @@
       </p:grpSpPr>
       <p:sp>
         <p:nvSpPr>
-          <p:cNvPr id="152" name="Google Shape;152;ga8ec799708_0_295"/>
+          <p:cNvPr id="160" name="Google Shape;160;ga8ec799708_0_295"/>
           <p:cNvSpPr txBox="1"/>
           <p:nvPr>
             <p:ph type="title"/>
@@ -22486,7 +23458,7 @@
       </p:sp>
       <p:sp>
         <p:nvSpPr>
-          <p:cNvPr id="153" name="Google Shape;153;ga8ec799708_0_295"/>
+          <p:cNvPr id="161" name="Google Shape;161;ga8ec799708_0_295"/>
           <p:cNvSpPr txBox="1"/>
           <p:nvPr>
             <p:ph idx="1" type="body"/>
@@ -22669,7 +23641,7 @@
       </p:sp>
       <p:pic>
         <p:nvPicPr>
-          <p:cNvPr id="154" name="Google Shape;154;ga8ec799708_0_295"/>
+          <p:cNvPr id="162" name="Google Shape;162;ga8ec799708_0_295"/>
           <p:cNvPicPr preferRelativeResize="0"/>
           <p:nvPr/>
         </p:nvPicPr>
@@ -22696,7 +23668,7 @@
       </p:pic>
       <p:pic>
         <p:nvPicPr>
-          <p:cNvPr id="155" name="Google Shape;155;ga8ec799708_0_295"/>
+          <p:cNvPr id="163" name="Google Shape;163;ga8ec799708_0_295"/>
           <p:cNvPicPr preferRelativeResize="0"/>
           <p:nvPr/>
         </p:nvPicPr>
@@ -22723,7 +23695,7 @@
       </p:pic>
       <p:pic>
         <p:nvPicPr>
-          <p:cNvPr id="156" name="Google Shape;156;ga8ec799708_0_295"/>
+          <p:cNvPr id="164" name="Google Shape;164;ga8ec799708_0_295"/>
           <p:cNvPicPr preferRelativeResize="0"/>
           <p:nvPr/>
         </p:nvPicPr>
